--- a/pdffig/figures.pptx
+++ b/pdffig/figures.pptx
@@ -6,6 +6,8 @@
   </p:sldMasterIdLst>
   <p:sldIdLst>
     <p:sldId id="256" r:id="rId2"/>
+    <p:sldId id="257" r:id="rId3"/>
+    <p:sldId id="258" r:id="rId4"/>
   </p:sldIdLst>
   <p:sldSz cx="9144000" cy="6858000" type="screen4x3"/>
   <p:notesSz cx="6858000" cy="9144000"/>
@@ -288,7 +290,7 @@
           <a:p>
             <a:fld id="{CFA60F0F-D2AB-C442-A29E-7126712EF1A1}" type="datetimeFigureOut">
               <a:rPr lang="en-US" smtClean="0"/>
-              <a:t>2/5/16</a:t>
+              <a:t>3/4/16</a:t>
             </a:fld>
             <a:endParaRPr lang="en-US"/>
           </a:p>
@@ -458,7 +460,7 @@
           <a:p>
             <a:fld id="{CFA60F0F-D2AB-C442-A29E-7126712EF1A1}" type="datetimeFigureOut">
               <a:rPr lang="en-US" smtClean="0"/>
-              <a:t>2/5/16</a:t>
+              <a:t>3/4/16</a:t>
             </a:fld>
             <a:endParaRPr lang="en-US"/>
           </a:p>
@@ -638,7 +640,7 @@
           <a:p>
             <a:fld id="{CFA60F0F-D2AB-C442-A29E-7126712EF1A1}" type="datetimeFigureOut">
               <a:rPr lang="en-US" smtClean="0"/>
-              <a:t>2/5/16</a:t>
+              <a:t>3/4/16</a:t>
             </a:fld>
             <a:endParaRPr lang="en-US"/>
           </a:p>
@@ -808,7 +810,7 @@
           <a:p>
             <a:fld id="{CFA60F0F-D2AB-C442-A29E-7126712EF1A1}" type="datetimeFigureOut">
               <a:rPr lang="en-US" smtClean="0"/>
-              <a:t>2/5/16</a:t>
+              <a:t>3/4/16</a:t>
             </a:fld>
             <a:endParaRPr lang="en-US"/>
           </a:p>
@@ -1054,7 +1056,7 @@
           <a:p>
             <a:fld id="{CFA60F0F-D2AB-C442-A29E-7126712EF1A1}" type="datetimeFigureOut">
               <a:rPr lang="en-US" smtClean="0"/>
-              <a:t>2/5/16</a:t>
+              <a:t>3/4/16</a:t>
             </a:fld>
             <a:endParaRPr lang="en-US"/>
           </a:p>
@@ -1342,7 +1344,7 @@
           <a:p>
             <a:fld id="{CFA60F0F-D2AB-C442-A29E-7126712EF1A1}" type="datetimeFigureOut">
               <a:rPr lang="en-US" smtClean="0"/>
-              <a:t>2/5/16</a:t>
+              <a:t>3/4/16</a:t>
             </a:fld>
             <a:endParaRPr lang="en-US"/>
           </a:p>
@@ -1764,7 +1766,7 @@
           <a:p>
             <a:fld id="{CFA60F0F-D2AB-C442-A29E-7126712EF1A1}" type="datetimeFigureOut">
               <a:rPr lang="en-US" smtClean="0"/>
-              <a:t>2/5/16</a:t>
+              <a:t>3/4/16</a:t>
             </a:fld>
             <a:endParaRPr lang="en-US"/>
           </a:p>
@@ -1882,7 +1884,7 @@
           <a:p>
             <a:fld id="{CFA60F0F-D2AB-C442-A29E-7126712EF1A1}" type="datetimeFigureOut">
               <a:rPr lang="en-US" smtClean="0"/>
-              <a:t>2/5/16</a:t>
+              <a:t>3/4/16</a:t>
             </a:fld>
             <a:endParaRPr lang="en-US"/>
           </a:p>
@@ -1977,7 +1979,7 @@
           <a:p>
             <a:fld id="{CFA60F0F-D2AB-C442-A29E-7126712EF1A1}" type="datetimeFigureOut">
               <a:rPr lang="en-US" smtClean="0"/>
-              <a:t>2/5/16</a:t>
+              <a:t>3/4/16</a:t>
             </a:fld>
             <a:endParaRPr lang="en-US"/>
           </a:p>
@@ -2254,7 +2256,7 @@
           <a:p>
             <a:fld id="{CFA60F0F-D2AB-C442-A29E-7126712EF1A1}" type="datetimeFigureOut">
               <a:rPr lang="en-US" smtClean="0"/>
-              <a:t>2/5/16</a:t>
+              <a:t>3/4/16</a:t>
             </a:fld>
             <a:endParaRPr lang="en-US"/>
           </a:p>
@@ -2507,7 +2509,7 @@
           <a:p>
             <a:fld id="{CFA60F0F-D2AB-C442-A29E-7126712EF1A1}" type="datetimeFigureOut">
               <a:rPr lang="en-US" smtClean="0"/>
-              <a:t>2/5/16</a:t>
+              <a:t>3/4/16</a:t>
             </a:fld>
             <a:endParaRPr lang="en-US"/>
           </a:p>
@@ -2720,7 +2722,7 @@
           <a:p>
             <a:fld id="{CFA60F0F-D2AB-C442-A29E-7126712EF1A1}" type="datetimeFigureOut">
               <a:rPr lang="en-US" smtClean="0"/>
-              <a:t>2/5/16</a:t>
+              <a:t>3/4/16</a:t>
             </a:fld>
             <a:endParaRPr lang="en-US"/>
           </a:p>
@@ -3898,6 +3900,902 @@
     <p:extLst>
       <p:ext uri="{BB962C8B-B14F-4D97-AF65-F5344CB8AC3E}">
         <p14:creationId xmlns:p14="http://schemas.microsoft.com/office/powerpoint/2010/main" val="3414981792"/>
+      </p:ext>
+    </p:extLst>
+  </p:cSld>
+  <p:clrMapOvr>
+    <a:masterClrMapping/>
+  </p:clrMapOvr>
+</p:sld>
+</file>
+
+<file path=ppt/slides/slide2.xml><?xml version="1.0" encoding="utf-8"?>
+<p:sld xmlns:a="http://schemas.openxmlformats.org/drawingml/2006/main" xmlns:r="http://schemas.openxmlformats.org/officeDocument/2006/relationships" xmlns:p="http://schemas.openxmlformats.org/presentationml/2006/main">
+  <p:cSld>
+    <p:spTree>
+      <p:nvGrpSpPr>
+        <p:cNvPr id="1" name=""/>
+        <p:cNvGrpSpPr/>
+        <p:nvPr/>
+      </p:nvGrpSpPr>
+      <p:grpSpPr>
+        <a:xfrm>
+          <a:off x="0" y="0"/>
+          <a:ext cx="0" cy="0"/>
+          <a:chOff x="0" y="0"/>
+          <a:chExt cx="0" cy="0"/>
+        </a:xfrm>
+      </p:grpSpPr>
+      <p:pic>
+        <p:nvPicPr>
+          <p:cNvPr id="4" name="Picture 3"/>
+          <p:cNvPicPr>
+            <a:picLocks noChangeAspect="1"/>
+          </p:cNvPicPr>
+          <p:nvPr/>
+        </p:nvPicPr>
+        <p:blipFill>
+          <a:blip r:embed="rId2"/>
+          <a:stretch>
+            <a:fillRect/>
+          </a:stretch>
+        </p:blipFill>
+        <p:spPr>
+          <a:xfrm>
+            <a:off x="-6834311" y="-118675"/>
+            <a:ext cx="6322786" cy="6858000"/>
+          </a:xfrm>
+          <a:prstGeom prst="rect">
+            <a:avLst/>
+          </a:prstGeom>
+        </p:spPr>
+      </p:pic>
+      <p:pic>
+        <p:nvPicPr>
+          <p:cNvPr id="5" name="Picture 4"/>
+          <p:cNvPicPr>
+            <a:picLocks noChangeAspect="1"/>
+          </p:cNvPicPr>
+          <p:nvPr/>
+        </p:nvPicPr>
+        <p:blipFill rotWithShape="1">
+          <a:blip r:embed="rId3"/>
+          <a:srcRect b="1980"/>
+          <a:stretch/>
+        </p:blipFill>
+        <p:spPr>
+          <a:xfrm>
+            <a:off x="0" y="1218737"/>
+            <a:ext cx="9144000" cy="3946844"/>
+          </a:xfrm>
+          <a:prstGeom prst="rect">
+            <a:avLst/>
+          </a:prstGeom>
+        </p:spPr>
+      </p:pic>
+      <p:sp>
+        <p:nvSpPr>
+          <p:cNvPr id="6" name="TextBox 5"/>
+          <p:cNvSpPr txBox="1"/>
+          <p:nvPr/>
+        </p:nvSpPr>
+        <p:spPr>
+          <a:xfrm>
+            <a:off x="897571" y="725664"/>
+            <a:ext cx="3103302" cy="646331"/>
+          </a:xfrm>
+          <a:prstGeom prst="rect">
+            <a:avLst/>
+          </a:prstGeom>
+          <a:noFill/>
+        </p:spPr>
+        <p:txBody>
+          <a:bodyPr wrap="square" rtlCol="0">
+            <a:spAutoFit/>
+          </a:bodyPr>
+          <a:lstStyle/>
+          <a:p>
+            <a:r>
+              <a:rPr lang="en-US" dirty="0" smtClean="0"/>
+              <a:t>2D – no difference in response </a:t>
+            </a:r>
+          </a:p>
+          <a:p>
+            <a:r>
+              <a:rPr lang="en-US" dirty="0" smtClean="0"/>
+              <a:t>detection</a:t>
+            </a:r>
+            <a:endParaRPr lang="en-US" dirty="0"/>
+          </a:p>
+        </p:txBody>
+      </p:sp>
+      <p:sp>
+        <p:nvSpPr>
+          <p:cNvPr id="7" name="TextBox 6"/>
+          <p:cNvSpPr txBox="1"/>
+          <p:nvPr/>
+        </p:nvSpPr>
+        <p:spPr>
+          <a:xfrm>
+            <a:off x="5652407" y="750990"/>
+            <a:ext cx="3103302" cy="646331"/>
+          </a:xfrm>
+          <a:prstGeom prst="rect">
+            <a:avLst/>
+          </a:prstGeom>
+          <a:noFill/>
+        </p:spPr>
+        <p:txBody>
+          <a:bodyPr wrap="square" rtlCol="0">
+            <a:spAutoFit/>
+          </a:bodyPr>
+          <a:lstStyle/>
+          <a:p>
+            <a:r>
+              <a:rPr lang="en-US" dirty="0" smtClean="0"/>
+              <a:t>3D – statistically different response detection</a:t>
+            </a:r>
+            <a:endParaRPr lang="en-US" dirty="0"/>
+          </a:p>
+        </p:txBody>
+      </p:sp>
+    </p:spTree>
+    <p:extLst>
+      <p:ext uri="{BB962C8B-B14F-4D97-AF65-F5344CB8AC3E}">
+        <p14:creationId xmlns:p14="http://schemas.microsoft.com/office/powerpoint/2010/main" val="2428621702"/>
+      </p:ext>
+    </p:extLst>
+  </p:cSld>
+  <p:clrMapOvr>
+    <a:masterClrMapping/>
+  </p:clrMapOvr>
+</p:sld>
+</file>
+
+<file path=ppt/slides/slide3.xml><?xml version="1.0" encoding="utf-8"?>
+<p:sld xmlns:a="http://schemas.openxmlformats.org/drawingml/2006/main" xmlns:r="http://schemas.openxmlformats.org/officeDocument/2006/relationships" xmlns:p="http://schemas.openxmlformats.org/presentationml/2006/main">
+  <p:cSld>
+    <p:spTree>
+      <p:nvGrpSpPr>
+        <p:cNvPr id="1" name=""/>
+        <p:cNvGrpSpPr/>
+        <p:nvPr/>
+      </p:nvGrpSpPr>
+      <p:grpSpPr>
+        <a:xfrm>
+          <a:off x="0" y="0"/>
+          <a:ext cx="0" cy="0"/>
+          <a:chOff x="0" y="0"/>
+          <a:chExt cx="0" cy="0"/>
+        </a:xfrm>
+      </p:grpSpPr>
+      <p:cxnSp>
+        <p:nvCxnSpPr>
+          <p:cNvPr id="5" name="Straight Arrow Connector 4"/>
+          <p:cNvCxnSpPr/>
+          <p:nvPr/>
+        </p:nvCxnSpPr>
+        <p:spPr>
+          <a:xfrm>
+            <a:off x="433876" y="3284387"/>
+            <a:ext cx="8629544" cy="9338"/>
+          </a:xfrm>
+          <a:prstGeom prst="straightConnector1">
+            <a:avLst/>
+          </a:prstGeom>
+          <a:ln>
+            <a:tailEnd type="arrow"/>
+          </a:ln>
+        </p:spPr>
+        <p:style>
+          <a:lnRef idx="2">
+            <a:schemeClr val="accent1"/>
+          </a:lnRef>
+          <a:fillRef idx="0">
+            <a:schemeClr val="accent1"/>
+          </a:fillRef>
+          <a:effectRef idx="1">
+            <a:schemeClr val="accent1"/>
+          </a:effectRef>
+          <a:fontRef idx="minor">
+            <a:schemeClr val="tx1"/>
+          </a:fontRef>
+        </p:style>
+      </p:cxnSp>
+      <p:sp>
+        <p:nvSpPr>
+          <p:cNvPr id="6" name="TextBox 5"/>
+          <p:cNvSpPr txBox="1"/>
+          <p:nvPr/>
+        </p:nvSpPr>
+        <p:spPr>
+          <a:xfrm>
+            <a:off x="152385" y="3983177"/>
+            <a:ext cx="968008" cy="369332"/>
+          </a:xfrm>
+          <a:prstGeom prst="rect">
+            <a:avLst/>
+          </a:prstGeom>
+          <a:noFill/>
+        </p:spPr>
+        <p:txBody>
+          <a:bodyPr wrap="none" rtlCol="0">
+            <a:spAutoFit/>
+          </a:bodyPr>
+          <a:lstStyle/>
+          <a:p>
+            <a:r>
+              <a:rPr lang="en-US" dirty="0" smtClean="0"/>
+              <a:t>Baseline</a:t>
+            </a:r>
+            <a:endParaRPr lang="en-US" dirty="0"/>
+          </a:p>
+        </p:txBody>
+      </p:sp>
+      <p:sp>
+        <p:nvSpPr>
+          <p:cNvPr id="7" name="TextBox 6"/>
+          <p:cNvSpPr txBox="1"/>
+          <p:nvPr/>
+        </p:nvSpPr>
+        <p:spPr>
+          <a:xfrm>
+            <a:off x="257409" y="3521326"/>
+            <a:ext cx="378980" cy="369332"/>
+          </a:xfrm>
+          <a:prstGeom prst="rect">
+            <a:avLst/>
+          </a:prstGeom>
+          <a:noFill/>
+        </p:spPr>
+        <p:txBody>
+          <a:bodyPr wrap="none" rtlCol="0">
+            <a:spAutoFit/>
+          </a:bodyPr>
+          <a:lstStyle/>
+          <a:p>
+            <a:r>
+              <a:rPr lang="en-US" dirty="0" smtClean="0"/>
+              <a:t>t0</a:t>
+            </a:r>
+            <a:endParaRPr lang="en-US" dirty="0"/>
+          </a:p>
+        </p:txBody>
+      </p:sp>
+      <p:sp>
+        <p:nvSpPr>
+          <p:cNvPr id="8" name="TextBox 7"/>
+          <p:cNvSpPr txBox="1"/>
+          <p:nvPr/>
+        </p:nvSpPr>
+        <p:spPr>
+          <a:xfrm>
+            <a:off x="1285363" y="3529398"/>
+            <a:ext cx="378980" cy="369332"/>
+          </a:xfrm>
+          <a:prstGeom prst="rect">
+            <a:avLst/>
+          </a:prstGeom>
+          <a:noFill/>
+        </p:spPr>
+        <p:txBody>
+          <a:bodyPr wrap="none" rtlCol="0">
+            <a:spAutoFit/>
+          </a:bodyPr>
+          <a:lstStyle/>
+          <a:p>
+            <a:r>
+              <a:rPr lang="en-US" dirty="0" smtClean="0"/>
+              <a:t>t1</a:t>
+            </a:r>
+            <a:endParaRPr lang="en-US" dirty="0"/>
+          </a:p>
+        </p:txBody>
+      </p:sp>
+      <p:cxnSp>
+        <p:nvCxnSpPr>
+          <p:cNvPr id="11" name="Straight Connector 10"/>
+          <p:cNvCxnSpPr/>
+          <p:nvPr/>
+        </p:nvCxnSpPr>
+        <p:spPr>
+          <a:xfrm>
+            <a:off x="433876" y="3279228"/>
+            <a:ext cx="0" cy="307901"/>
+          </a:xfrm>
+          <a:prstGeom prst="line">
+            <a:avLst/>
+          </a:prstGeom>
+        </p:spPr>
+        <p:style>
+          <a:lnRef idx="2">
+            <a:schemeClr val="accent1"/>
+          </a:lnRef>
+          <a:fillRef idx="0">
+            <a:schemeClr val="accent1"/>
+          </a:fillRef>
+          <a:effectRef idx="1">
+            <a:schemeClr val="accent1"/>
+          </a:effectRef>
+          <a:fontRef idx="minor">
+            <a:schemeClr val="tx1"/>
+          </a:fontRef>
+        </p:style>
+      </p:cxnSp>
+      <p:cxnSp>
+        <p:nvCxnSpPr>
+          <p:cNvPr id="12" name="Straight Connector 11"/>
+          <p:cNvCxnSpPr/>
+          <p:nvPr/>
+        </p:nvCxnSpPr>
+        <p:spPr>
+          <a:xfrm>
+            <a:off x="1490060" y="2971327"/>
+            <a:ext cx="0" cy="307901"/>
+          </a:xfrm>
+          <a:prstGeom prst="line">
+            <a:avLst/>
+          </a:prstGeom>
+        </p:spPr>
+        <p:style>
+          <a:lnRef idx="2">
+            <a:schemeClr val="accent1"/>
+          </a:lnRef>
+          <a:fillRef idx="0">
+            <a:schemeClr val="accent1"/>
+          </a:fillRef>
+          <a:effectRef idx="1">
+            <a:schemeClr val="accent1"/>
+          </a:effectRef>
+          <a:fontRef idx="minor">
+            <a:schemeClr val="tx1"/>
+          </a:fontRef>
+        </p:style>
+      </p:cxnSp>
+      <p:cxnSp>
+        <p:nvCxnSpPr>
+          <p:cNvPr id="13" name="Straight Connector 12"/>
+          <p:cNvCxnSpPr/>
+          <p:nvPr/>
+        </p:nvCxnSpPr>
+        <p:spPr>
+          <a:xfrm>
+            <a:off x="3836787" y="2971327"/>
+            <a:ext cx="0" cy="307901"/>
+          </a:xfrm>
+          <a:prstGeom prst="line">
+            <a:avLst/>
+          </a:prstGeom>
+        </p:spPr>
+        <p:style>
+          <a:lnRef idx="2">
+            <a:schemeClr val="accent1"/>
+          </a:lnRef>
+          <a:fillRef idx="0">
+            <a:schemeClr val="accent1"/>
+          </a:fillRef>
+          <a:effectRef idx="1">
+            <a:schemeClr val="accent1"/>
+          </a:effectRef>
+          <a:fontRef idx="minor">
+            <a:schemeClr val="tx1"/>
+          </a:fontRef>
+        </p:style>
+      </p:cxnSp>
+      <p:sp>
+        <p:nvSpPr>
+          <p:cNvPr id="14" name="TextBox 13"/>
+          <p:cNvSpPr txBox="1"/>
+          <p:nvPr/>
+        </p:nvSpPr>
+        <p:spPr>
+          <a:xfrm>
+            <a:off x="2884310" y="3529398"/>
+            <a:ext cx="378980" cy="369332"/>
+          </a:xfrm>
+          <a:prstGeom prst="rect">
+            <a:avLst/>
+          </a:prstGeom>
+          <a:noFill/>
+        </p:spPr>
+        <p:txBody>
+          <a:bodyPr wrap="none" rtlCol="0">
+            <a:spAutoFit/>
+          </a:bodyPr>
+          <a:lstStyle/>
+          <a:p>
+            <a:r>
+              <a:rPr lang="en-US" dirty="0" smtClean="0"/>
+              <a:t>t2 </a:t>
+            </a:r>
+            <a:endParaRPr lang="en-US" dirty="0"/>
+          </a:p>
+        </p:txBody>
+      </p:sp>
+      <p:sp>
+        <p:nvSpPr>
+          <p:cNvPr id="15" name="TextBox 14"/>
+          <p:cNvSpPr txBox="1"/>
+          <p:nvPr/>
+        </p:nvSpPr>
+        <p:spPr>
+          <a:xfrm>
+            <a:off x="1799215" y="2786661"/>
+            <a:ext cx="1635648" cy="369332"/>
+          </a:xfrm>
+          <a:prstGeom prst="rect">
+            <a:avLst/>
+          </a:prstGeom>
+          <a:noFill/>
+        </p:spPr>
+        <p:txBody>
+          <a:bodyPr wrap="square" rtlCol="0">
+            <a:spAutoFit/>
+          </a:bodyPr>
+          <a:lstStyle/>
+          <a:p>
+            <a:r>
+              <a:rPr lang="en-US" dirty="0" smtClean="0"/>
+              <a:t>Treatment 1 </a:t>
+            </a:r>
+            <a:endParaRPr lang="en-US" dirty="0"/>
+          </a:p>
+        </p:txBody>
+      </p:sp>
+      <p:cxnSp>
+        <p:nvCxnSpPr>
+          <p:cNvPr id="16" name="Straight Connector 15"/>
+          <p:cNvCxnSpPr/>
+          <p:nvPr/>
+        </p:nvCxnSpPr>
+        <p:spPr>
+          <a:xfrm>
+            <a:off x="3073800" y="3312465"/>
+            <a:ext cx="0" cy="307901"/>
+          </a:xfrm>
+          <a:prstGeom prst="line">
+            <a:avLst/>
+          </a:prstGeom>
+        </p:spPr>
+        <p:style>
+          <a:lnRef idx="2">
+            <a:schemeClr val="accent1"/>
+          </a:lnRef>
+          <a:fillRef idx="0">
+            <a:schemeClr val="accent1"/>
+          </a:fillRef>
+          <a:effectRef idx="1">
+            <a:schemeClr val="accent1"/>
+          </a:effectRef>
+          <a:fontRef idx="minor">
+            <a:schemeClr val="tx1"/>
+          </a:fontRef>
+        </p:style>
+      </p:cxnSp>
+      <p:sp>
+        <p:nvSpPr>
+          <p:cNvPr id="18" name="TextBox 17"/>
+          <p:cNvSpPr txBox="1"/>
+          <p:nvPr/>
+        </p:nvSpPr>
+        <p:spPr>
+          <a:xfrm>
+            <a:off x="3722726" y="3521326"/>
+            <a:ext cx="378980" cy="369332"/>
+          </a:xfrm>
+          <a:prstGeom prst="rect">
+            <a:avLst/>
+          </a:prstGeom>
+          <a:noFill/>
+        </p:spPr>
+        <p:txBody>
+          <a:bodyPr wrap="none" rtlCol="0">
+            <a:spAutoFit/>
+          </a:bodyPr>
+          <a:lstStyle/>
+          <a:p>
+            <a:r>
+              <a:rPr lang="en-US" dirty="0" smtClean="0"/>
+              <a:t>t3 </a:t>
+            </a:r>
+            <a:endParaRPr lang="en-US" dirty="0"/>
+          </a:p>
+        </p:txBody>
+      </p:sp>
+      <p:sp>
+        <p:nvSpPr>
+          <p:cNvPr id="19" name="TextBox 18"/>
+          <p:cNvSpPr txBox="1"/>
+          <p:nvPr/>
+        </p:nvSpPr>
+        <p:spPr>
+          <a:xfrm>
+            <a:off x="2488858" y="3983177"/>
+            <a:ext cx="1047695" cy="369332"/>
+          </a:xfrm>
+          <a:prstGeom prst="rect">
+            <a:avLst/>
+          </a:prstGeom>
+          <a:noFill/>
+        </p:spPr>
+        <p:txBody>
+          <a:bodyPr wrap="none" rtlCol="0">
+            <a:spAutoFit/>
+          </a:bodyPr>
+          <a:lstStyle/>
+          <a:p>
+            <a:r>
+              <a:rPr lang="en-US" dirty="0" err="1" smtClean="0"/>
+              <a:t>Followup</a:t>
+            </a:r>
+            <a:endParaRPr lang="en-US" dirty="0"/>
+          </a:p>
+        </p:txBody>
+      </p:sp>
+      <p:sp>
+        <p:nvSpPr>
+          <p:cNvPr id="21" name="TextBox 20"/>
+          <p:cNvSpPr txBox="1"/>
+          <p:nvPr/>
+        </p:nvSpPr>
+        <p:spPr>
+          <a:xfrm>
+            <a:off x="4691362" y="3519491"/>
+            <a:ext cx="378980" cy="369332"/>
+          </a:xfrm>
+          <a:prstGeom prst="rect">
+            <a:avLst/>
+          </a:prstGeom>
+          <a:noFill/>
+        </p:spPr>
+        <p:txBody>
+          <a:bodyPr wrap="none" rtlCol="0">
+            <a:spAutoFit/>
+          </a:bodyPr>
+          <a:lstStyle/>
+          <a:p>
+            <a:r>
+              <a:rPr lang="en-US" dirty="0" smtClean="0"/>
+              <a:t>t5</a:t>
+            </a:r>
+            <a:endParaRPr lang="en-US" dirty="0"/>
+          </a:p>
+        </p:txBody>
+      </p:sp>
+      <p:cxnSp>
+        <p:nvCxnSpPr>
+          <p:cNvPr id="22" name="Straight Connector 21"/>
+          <p:cNvCxnSpPr/>
+          <p:nvPr/>
+        </p:nvCxnSpPr>
+        <p:spPr>
+          <a:xfrm>
+            <a:off x="4877449" y="3293725"/>
+            <a:ext cx="0" cy="307901"/>
+          </a:xfrm>
+          <a:prstGeom prst="line">
+            <a:avLst/>
+          </a:prstGeom>
+        </p:spPr>
+        <p:style>
+          <a:lnRef idx="2">
+            <a:schemeClr val="accent1"/>
+          </a:lnRef>
+          <a:fillRef idx="0">
+            <a:schemeClr val="accent1"/>
+          </a:fillRef>
+          <a:effectRef idx="1">
+            <a:schemeClr val="accent1"/>
+          </a:effectRef>
+          <a:fontRef idx="minor">
+            <a:schemeClr val="tx1"/>
+          </a:fontRef>
+        </p:style>
+      </p:cxnSp>
+      <p:sp>
+        <p:nvSpPr>
+          <p:cNvPr id="23" name="TextBox 22"/>
+          <p:cNvSpPr txBox="1"/>
+          <p:nvPr/>
+        </p:nvSpPr>
+        <p:spPr>
+          <a:xfrm>
+            <a:off x="4393445" y="3983177"/>
+            <a:ext cx="968008" cy="369332"/>
+          </a:xfrm>
+          <a:prstGeom prst="rect">
+            <a:avLst/>
+          </a:prstGeom>
+          <a:noFill/>
+        </p:spPr>
+        <p:txBody>
+          <a:bodyPr wrap="none" rtlCol="0">
+            <a:spAutoFit/>
+          </a:bodyPr>
+          <a:lstStyle/>
+          <a:p>
+            <a:r>
+              <a:rPr lang="en-US" dirty="0" smtClean="0"/>
+              <a:t>Baseline</a:t>
+            </a:r>
+            <a:endParaRPr lang="en-US" dirty="0"/>
+          </a:p>
+        </p:txBody>
+      </p:sp>
+      <p:cxnSp>
+        <p:nvCxnSpPr>
+          <p:cNvPr id="24" name="Straight Connector 23"/>
+          <p:cNvCxnSpPr/>
+          <p:nvPr/>
+        </p:nvCxnSpPr>
+        <p:spPr>
+          <a:xfrm>
+            <a:off x="5442939" y="2969776"/>
+            <a:ext cx="0" cy="307901"/>
+          </a:xfrm>
+          <a:prstGeom prst="line">
+            <a:avLst/>
+          </a:prstGeom>
+        </p:spPr>
+        <p:style>
+          <a:lnRef idx="2">
+            <a:schemeClr val="accent1"/>
+          </a:lnRef>
+          <a:fillRef idx="0">
+            <a:schemeClr val="accent1"/>
+          </a:fillRef>
+          <a:effectRef idx="1">
+            <a:schemeClr val="accent1"/>
+          </a:effectRef>
+          <a:fontRef idx="minor">
+            <a:schemeClr val="tx1"/>
+          </a:fontRef>
+        </p:style>
+      </p:cxnSp>
+      <p:cxnSp>
+        <p:nvCxnSpPr>
+          <p:cNvPr id="25" name="Straight Connector 24"/>
+          <p:cNvCxnSpPr/>
+          <p:nvPr/>
+        </p:nvCxnSpPr>
+        <p:spPr>
+          <a:xfrm>
+            <a:off x="7837773" y="2985824"/>
+            <a:ext cx="0" cy="307901"/>
+          </a:xfrm>
+          <a:prstGeom prst="line">
+            <a:avLst/>
+          </a:prstGeom>
+        </p:spPr>
+        <p:style>
+          <a:lnRef idx="2">
+            <a:schemeClr val="accent1"/>
+          </a:lnRef>
+          <a:fillRef idx="0">
+            <a:schemeClr val="accent1"/>
+          </a:fillRef>
+          <a:effectRef idx="1">
+            <a:schemeClr val="accent1"/>
+          </a:effectRef>
+          <a:fontRef idx="minor">
+            <a:schemeClr val="tx1"/>
+          </a:fontRef>
+        </p:style>
+      </p:cxnSp>
+      <p:sp>
+        <p:nvSpPr>
+          <p:cNvPr id="26" name="TextBox 25"/>
+          <p:cNvSpPr txBox="1"/>
+          <p:nvPr/>
+        </p:nvSpPr>
+        <p:spPr>
+          <a:xfrm>
+            <a:off x="8005884" y="2903109"/>
+            <a:ext cx="344039" cy="369332"/>
+          </a:xfrm>
+          <a:prstGeom prst="rect">
+            <a:avLst/>
+          </a:prstGeom>
+          <a:noFill/>
+        </p:spPr>
+        <p:txBody>
+          <a:bodyPr wrap="none" rtlCol="0">
+            <a:spAutoFit/>
+          </a:bodyPr>
+          <a:lstStyle/>
+          <a:p>
+            <a:r>
+              <a:rPr lang="en-US" dirty="0" smtClean="0"/>
+              <a:t>… </a:t>
+            </a:r>
+            <a:endParaRPr lang="en-US" dirty="0"/>
+          </a:p>
+        </p:txBody>
+      </p:sp>
+      <p:sp>
+        <p:nvSpPr>
+          <p:cNvPr id="27" name="TextBox 26"/>
+          <p:cNvSpPr txBox="1"/>
+          <p:nvPr/>
+        </p:nvSpPr>
+        <p:spPr>
+          <a:xfrm>
+            <a:off x="5313175" y="3497132"/>
+            <a:ext cx="378980" cy="369332"/>
+          </a:xfrm>
+          <a:prstGeom prst="rect">
+            <a:avLst/>
+          </a:prstGeom>
+          <a:noFill/>
+        </p:spPr>
+        <p:txBody>
+          <a:bodyPr wrap="none" rtlCol="0">
+            <a:spAutoFit/>
+          </a:bodyPr>
+          <a:lstStyle/>
+          <a:p>
+            <a:r>
+              <a:rPr lang="en-US" dirty="0" smtClean="0"/>
+              <a:t>t6</a:t>
+            </a:r>
+            <a:endParaRPr lang="en-US" dirty="0"/>
+          </a:p>
+        </p:txBody>
+      </p:sp>
+      <p:sp>
+        <p:nvSpPr>
+          <p:cNvPr id="28" name="TextBox 27"/>
+          <p:cNvSpPr txBox="1"/>
+          <p:nvPr/>
+        </p:nvSpPr>
+        <p:spPr>
+          <a:xfrm>
+            <a:off x="7626904" y="3497132"/>
+            <a:ext cx="378980" cy="369332"/>
+          </a:xfrm>
+          <a:prstGeom prst="rect">
+            <a:avLst/>
+          </a:prstGeom>
+          <a:noFill/>
+        </p:spPr>
+        <p:txBody>
+          <a:bodyPr wrap="none" rtlCol="0">
+            <a:spAutoFit/>
+          </a:bodyPr>
+          <a:lstStyle/>
+          <a:p>
+            <a:r>
+              <a:rPr lang="en-US" dirty="0" smtClean="0"/>
+              <a:t>t8</a:t>
+            </a:r>
+            <a:endParaRPr lang="en-US" dirty="0"/>
+          </a:p>
+        </p:txBody>
+      </p:sp>
+      <p:cxnSp>
+        <p:nvCxnSpPr>
+          <p:cNvPr id="29" name="Straight Connector 28"/>
+          <p:cNvCxnSpPr/>
+          <p:nvPr/>
+        </p:nvCxnSpPr>
+        <p:spPr>
+          <a:xfrm>
+            <a:off x="7411537" y="3293725"/>
+            <a:ext cx="0" cy="307901"/>
+          </a:xfrm>
+          <a:prstGeom prst="line">
+            <a:avLst/>
+          </a:prstGeom>
+        </p:spPr>
+        <p:style>
+          <a:lnRef idx="2">
+            <a:schemeClr val="accent1"/>
+          </a:lnRef>
+          <a:fillRef idx="0">
+            <a:schemeClr val="accent1"/>
+          </a:fillRef>
+          <a:effectRef idx="1">
+            <a:schemeClr val="accent1"/>
+          </a:effectRef>
+          <a:fontRef idx="minor">
+            <a:schemeClr val="tx1"/>
+          </a:fontRef>
+        </p:style>
+      </p:cxnSp>
+      <p:sp>
+        <p:nvSpPr>
+          <p:cNvPr id="30" name="TextBox 29"/>
+          <p:cNvSpPr txBox="1"/>
+          <p:nvPr/>
+        </p:nvSpPr>
+        <p:spPr>
+          <a:xfrm>
+            <a:off x="7222047" y="3496847"/>
+            <a:ext cx="378980" cy="369332"/>
+          </a:xfrm>
+          <a:prstGeom prst="rect">
+            <a:avLst/>
+          </a:prstGeom>
+          <a:noFill/>
+        </p:spPr>
+        <p:txBody>
+          <a:bodyPr wrap="none" rtlCol="0">
+            <a:spAutoFit/>
+          </a:bodyPr>
+          <a:lstStyle/>
+          <a:p>
+            <a:r>
+              <a:rPr lang="en-US" dirty="0" smtClean="0"/>
+              <a:t>t7</a:t>
+            </a:r>
+            <a:endParaRPr lang="en-US" dirty="0"/>
+          </a:p>
+        </p:txBody>
+      </p:sp>
+      <p:sp>
+        <p:nvSpPr>
+          <p:cNvPr id="31" name="TextBox 30"/>
+          <p:cNvSpPr txBox="1"/>
+          <p:nvPr/>
+        </p:nvSpPr>
+        <p:spPr>
+          <a:xfrm>
+            <a:off x="6043832" y="2801158"/>
+            <a:ext cx="1489775" cy="369332"/>
+          </a:xfrm>
+          <a:prstGeom prst="rect">
+            <a:avLst/>
+          </a:prstGeom>
+          <a:noFill/>
+        </p:spPr>
+        <p:txBody>
+          <a:bodyPr wrap="square" rtlCol="0">
+            <a:spAutoFit/>
+          </a:bodyPr>
+          <a:lstStyle/>
+          <a:p>
+            <a:r>
+              <a:rPr lang="en-US" dirty="0" smtClean="0"/>
+              <a:t>Treatment 2 </a:t>
+            </a:r>
+            <a:endParaRPr lang="en-US" dirty="0"/>
+          </a:p>
+        </p:txBody>
+      </p:sp>
+      <p:sp>
+        <p:nvSpPr>
+          <p:cNvPr id="32" name="TextBox 31"/>
+          <p:cNvSpPr txBox="1"/>
+          <p:nvPr/>
+        </p:nvSpPr>
+        <p:spPr>
+          <a:xfrm>
+            <a:off x="6776310" y="3950911"/>
+            <a:ext cx="1047695" cy="369332"/>
+          </a:xfrm>
+          <a:prstGeom prst="rect">
+            <a:avLst/>
+          </a:prstGeom>
+          <a:noFill/>
+        </p:spPr>
+        <p:txBody>
+          <a:bodyPr wrap="none" rtlCol="0">
+            <a:spAutoFit/>
+          </a:bodyPr>
+          <a:lstStyle/>
+          <a:p>
+            <a:r>
+              <a:rPr lang="en-US" dirty="0" err="1" smtClean="0"/>
+              <a:t>Followup</a:t>
+            </a:r>
+            <a:endParaRPr lang="en-US" dirty="0"/>
+          </a:p>
+        </p:txBody>
+      </p:sp>
+    </p:spTree>
+    <p:extLst>
+      <p:ext uri="{BB962C8B-B14F-4D97-AF65-F5344CB8AC3E}">
+        <p14:creationId xmlns:p14="http://schemas.microsoft.com/office/powerpoint/2010/main" val="1004621071"/>
       </p:ext>
     </p:extLst>
   </p:cSld>

--- a/pdffig/figures.pptx
+++ b/pdffig/figures.pptx
@@ -4110,7 +4110,7 @@
         </p:nvSpPr>
         <p:spPr>
           <a:xfrm>
-            <a:off x="152385" y="3983177"/>
+            <a:off x="152385" y="3732740"/>
             <a:ext cx="968008" cy="369332"/>
           </a:xfrm>
           <a:prstGeom prst="rect">
@@ -4410,7 +4410,7 @@
         </p:nvSpPr>
         <p:spPr>
           <a:xfrm>
-            <a:off x="2488858" y="3983177"/>
+            <a:off x="2360462" y="3681513"/>
             <a:ext cx="1047695" cy="369332"/>
           </a:xfrm>
           <a:prstGeom prst="rect">
@@ -4500,7 +4500,7 @@
         </p:nvSpPr>
         <p:spPr>
           <a:xfrm>
-            <a:off x="4393445" y="3983177"/>
+            <a:off x="4393445" y="3723402"/>
             <a:ext cx="968008" cy="369332"/>
           </a:xfrm>
           <a:prstGeom prst="rect">
@@ -4770,7 +4770,7 @@
         </p:nvSpPr>
         <p:spPr>
           <a:xfrm>
-            <a:off x="6776310" y="3950911"/>
+            <a:off x="6485912" y="3714064"/>
             <a:ext cx="1047695" cy="369332"/>
           </a:xfrm>
           <a:prstGeom prst="rect">
@@ -4789,6 +4789,247 @@
               <a:t>Followup</a:t>
             </a:r>
             <a:endParaRPr lang="en-US" dirty="0"/>
+          </a:p>
+        </p:txBody>
+      </p:sp>
+      <p:sp>
+        <p:nvSpPr>
+          <p:cNvPr id="33" name="TextBox 32"/>
+          <p:cNvSpPr txBox="1"/>
+          <p:nvPr/>
+        </p:nvSpPr>
+        <p:spPr>
+          <a:xfrm>
+            <a:off x="4877449" y="2533777"/>
+            <a:ext cx="1277062" cy="369332"/>
+          </a:xfrm>
+          <a:prstGeom prst="rect">
+            <a:avLst/>
+          </a:prstGeom>
+          <a:noFill/>
+        </p:spPr>
+        <p:txBody>
+          <a:bodyPr wrap="none" rtlCol="0">
+            <a:spAutoFit/>
+          </a:bodyPr>
+          <a:lstStyle/>
+          <a:p>
+            <a:r>
+              <a:rPr lang="en-US" dirty="0"/>
+              <a:t>s</a:t>
+            </a:r>
+            <a:r>
+              <a:rPr lang="en-US" dirty="0" smtClean="0"/>
+              <a:t>urvival 0/1</a:t>
+            </a:r>
+            <a:endParaRPr lang="en-US" dirty="0"/>
+          </a:p>
+        </p:txBody>
+      </p:sp>
+      <p:sp>
+        <p:nvSpPr>
+          <p:cNvPr id="34" name="TextBox 33"/>
+          <p:cNvSpPr txBox="1"/>
+          <p:nvPr/>
+        </p:nvSpPr>
+        <p:spPr>
+          <a:xfrm>
+            <a:off x="7866938" y="2533777"/>
+            <a:ext cx="1277062" cy="369332"/>
+          </a:xfrm>
+          <a:prstGeom prst="rect">
+            <a:avLst/>
+          </a:prstGeom>
+          <a:noFill/>
+        </p:spPr>
+        <p:txBody>
+          <a:bodyPr wrap="none" rtlCol="0">
+            <a:spAutoFit/>
+          </a:bodyPr>
+          <a:lstStyle/>
+          <a:p>
+            <a:r>
+              <a:rPr lang="en-US" dirty="0"/>
+              <a:t>s</a:t>
+            </a:r>
+            <a:r>
+              <a:rPr lang="en-US" dirty="0" smtClean="0"/>
+              <a:t>urvival 0/1</a:t>
+            </a:r>
+            <a:endParaRPr lang="en-US" dirty="0"/>
+          </a:p>
+        </p:txBody>
+      </p:sp>
+      <p:cxnSp>
+        <p:nvCxnSpPr>
+          <p:cNvPr id="3" name="Straight Arrow Connector 2"/>
+          <p:cNvCxnSpPr/>
+          <p:nvPr/>
+        </p:nvCxnSpPr>
+        <p:spPr>
+          <a:xfrm>
+            <a:off x="1490060" y="3170490"/>
+            <a:ext cx="2346727" cy="0"/>
+          </a:xfrm>
+          <a:prstGeom prst="straightConnector1">
+            <a:avLst/>
+          </a:prstGeom>
+          <a:ln>
+            <a:headEnd type="arrow"/>
+            <a:tailEnd type="arrow"/>
+          </a:ln>
+        </p:spPr>
+        <p:style>
+          <a:lnRef idx="2">
+            <a:schemeClr val="accent1"/>
+          </a:lnRef>
+          <a:fillRef idx="0">
+            <a:schemeClr val="accent1"/>
+          </a:fillRef>
+          <a:effectRef idx="1">
+            <a:schemeClr val="accent1"/>
+          </a:effectRef>
+          <a:fontRef idx="minor">
+            <a:schemeClr val="tx1"/>
+          </a:fontRef>
+        </p:style>
+      </p:cxnSp>
+      <p:cxnSp>
+        <p:nvCxnSpPr>
+          <p:cNvPr id="35" name="Straight Arrow Connector 34"/>
+          <p:cNvCxnSpPr/>
+          <p:nvPr/>
+        </p:nvCxnSpPr>
+        <p:spPr>
+          <a:xfrm>
+            <a:off x="5442939" y="3170490"/>
+            <a:ext cx="2346727" cy="0"/>
+          </a:xfrm>
+          <a:prstGeom prst="straightConnector1">
+            <a:avLst/>
+          </a:prstGeom>
+          <a:ln>
+            <a:headEnd type="arrow"/>
+            <a:tailEnd type="arrow"/>
+          </a:ln>
+        </p:spPr>
+        <p:style>
+          <a:lnRef idx="2">
+            <a:schemeClr val="accent1"/>
+          </a:lnRef>
+          <a:fillRef idx="0">
+            <a:schemeClr val="accent1"/>
+          </a:fillRef>
+          <a:effectRef idx="1">
+            <a:schemeClr val="accent1"/>
+          </a:effectRef>
+          <a:fontRef idx="minor">
+            <a:schemeClr val="tx1"/>
+          </a:fontRef>
+        </p:style>
+      </p:cxnSp>
+      <p:cxnSp>
+        <p:nvCxnSpPr>
+          <p:cNvPr id="36" name="Straight Connector 35"/>
+          <p:cNvCxnSpPr/>
+          <p:nvPr/>
+        </p:nvCxnSpPr>
+        <p:spPr>
+          <a:xfrm>
+            <a:off x="8817619" y="2984273"/>
+            <a:ext cx="0" cy="307901"/>
+          </a:xfrm>
+          <a:prstGeom prst="line">
+            <a:avLst/>
+          </a:prstGeom>
+        </p:spPr>
+        <p:style>
+          <a:lnRef idx="2">
+            <a:schemeClr val="accent1"/>
+          </a:lnRef>
+          <a:fillRef idx="0">
+            <a:schemeClr val="accent1"/>
+          </a:fillRef>
+          <a:effectRef idx="1">
+            <a:schemeClr val="accent1"/>
+          </a:effectRef>
+          <a:fontRef idx="minor">
+            <a:schemeClr val="tx1"/>
+          </a:fontRef>
+        </p:style>
+      </p:cxnSp>
+      <p:sp>
+        <p:nvSpPr>
+          <p:cNvPr id="37" name="TextBox 36"/>
+          <p:cNvSpPr txBox="1"/>
+          <p:nvPr/>
+        </p:nvSpPr>
+        <p:spPr>
+          <a:xfrm>
+            <a:off x="8628129" y="3360306"/>
+            <a:ext cx="338554" cy="369332"/>
+          </a:xfrm>
+          <a:prstGeom prst="rect">
+            <a:avLst/>
+          </a:prstGeom>
+          <a:noFill/>
+        </p:spPr>
+        <p:txBody>
+          <a:bodyPr wrap="none" rtlCol="0">
+            <a:spAutoFit/>
+          </a:bodyPr>
+          <a:lstStyle/>
+          <a:p>
+            <a:r>
+              <a:rPr lang="en-US" dirty="0" err="1" smtClean="0"/>
+              <a:t>tf</a:t>
+            </a:r>
+            <a:endParaRPr lang="en-US" dirty="0"/>
+          </a:p>
+        </p:txBody>
+      </p:sp>
+      <p:sp>
+        <p:nvSpPr>
+          <p:cNvPr id="4" name="Oval 3"/>
+          <p:cNvSpPr/>
+          <p:nvPr/>
+        </p:nvSpPr>
+        <p:spPr>
+          <a:xfrm>
+            <a:off x="152385" y="1953243"/>
+            <a:ext cx="5428065" cy="2588288"/>
+          </a:xfrm>
+          <a:prstGeom prst="ellipse">
+            <a:avLst/>
+          </a:prstGeom>
+          <a:noFill/>
+          <a:ln>
+            <a:solidFill>
+              <a:srgbClr val="FF0000"/>
+            </a:solidFill>
+            <a:prstDash val="dash"/>
+          </a:ln>
+        </p:spPr>
+        <p:style>
+          <a:lnRef idx="1">
+            <a:schemeClr val="accent1"/>
+          </a:lnRef>
+          <a:fillRef idx="3">
+            <a:schemeClr val="accent1"/>
+          </a:fillRef>
+          <a:effectRef idx="2">
+            <a:schemeClr val="accent1"/>
+          </a:effectRef>
+          <a:fontRef idx="minor">
+            <a:schemeClr val="lt1"/>
+          </a:fontRef>
+        </p:style>
+        <p:txBody>
+          <a:bodyPr rtlCol="0" anchor="ctr"/>
+          <a:lstStyle/>
+          <a:p>
+            <a:pPr algn="ctr"/>
+            <a:endParaRPr lang="en-US"/>
           </a:p>
         </p:txBody>
       </p:sp>

--- a/pdffig/figures.pptx
+++ b/pdffig/figures.pptx
@@ -6,8 +6,9 @@
   </p:sldMasterIdLst>
   <p:sldIdLst>
     <p:sldId id="256" r:id="rId2"/>
-    <p:sldId id="257" r:id="rId3"/>
-    <p:sldId id="258" r:id="rId4"/>
+    <p:sldId id="259" r:id="rId3"/>
+    <p:sldId id="257" r:id="rId4"/>
+    <p:sldId id="258" r:id="rId5"/>
   </p:sldIdLst>
   <p:sldSz cx="9144000" cy="6858000" type="screen4x3"/>
   <p:notesSz cx="6858000" cy="9144000"/>
@@ -3928,6 +3929,122 @@
       </p:grpSpPr>
       <p:pic>
         <p:nvPicPr>
+          <p:cNvPr id="5" name="Picture 4"/>
+          <p:cNvPicPr>
+            <a:picLocks noChangeAspect="1"/>
+          </p:cNvPicPr>
+          <p:nvPr/>
+        </p:nvPicPr>
+        <p:blipFill>
+          <a:blip r:embed="rId2"/>
+          <a:stretch>
+            <a:fillRect/>
+          </a:stretch>
+        </p:blipFill>
+        <p:spPr>
+          <a:xfrm>
+            <a:off x="630706" y="1229530"/>
+            <a:ext cx="3225800" cy="2654300"/>
+          </a:xfrm>
+          <a:prstGeom prst="rect">
+            <a:avLst/>
+          </a:prstGeom>
+        </p:spPr>
+      </p:pic>
+      <p:pic>
+        <p:nvPicPr>
+          <p:cNvPr id="6" name="Picture 5"/>
+          <p:cNvPicPr>
+            <a:picLocks noChangeAspect="1"/>
+          </p:cNvPicPr>
+          <p:nvPr/>
+        </p:nvPicPr>
+        <p:blipFill>
+          <a:blip r:embed="rId3"/>
+          <a:stretch>
+            <a:fillRect/>
+          </a:stretch>
+        </p:blipFill>
+        <p:spPr>
+          <a:xfrm>
+            <a:off x="4158318" y="1229530"/>
+            <a:ext cx="3175000" cy="2667000"/>
+          </a:xfrm>
+          <a:prstGeom prst="rect">
+            <a:avLst/>
+          </a:prstGeom>
+        </p:spPr>
+      </p:pic>
+      <p:sp>
+        <p:nvSpPr>
+          <p:cNvPr id="7" name="TextBox 6"/>
+          <p:cNvSpPr txBox="1"/>
+          <p:nvPr/>
+        </p:nvSpPr>
+        <p:spPr>
+          <a:xfrm>
+            <a:off x="630706" y="3785424"/>
+            <a:ext cx="6989494" cy="369332"/>
+          </a:xfrm>
+          <a:prstGeom prst="rect">
+            <a:avLst/>
+          </a:prstGeom>
+          <a:noFill/>
+        </p:spPr>
+        <p:txBody>
+          <a:bodyPr wrap="square" rtlCol="0">
+            <a:spAutoFit/>
+          </a:bodyPr>
+          <a:lstStyle/>
+          <a:p>
+            <a:r>
+              <a:rPr lang="en-US" dirty="0" smtClean="0"/>
+              <a:t>Manual		-</a:t>
+            </a:r>
+            <a:r>
+              <a:rPr lang="en-US" dirty="0" err="1" smtClean="0"/>
+              <a:t>vs</a:t>
+            </a:r>
+            <a:r>
+              <a:rPr lang="en-US" dirty="0" smtClean="0"/>
+              <a:t>-			Automatic</a:t>
+            </a:r>
+            <a:endParaRPr lang="en-US" dirty="0"/>
+          </a:p>
+        </p:txBody>
+      </p:sp>
+    </p:spTree>
+    <p:extLst>
+      <p:ext uri="{BB962C8B-B14F-4D97-AF65-F5344CB8AC3E}">
+        <p14:creationId xmlns:p14="http://schemas.microsoft.com/office/powerpoint/2010/main" val="514155940"/>
+      </p:ext>
+    </p:extLst>
+  </p:cSld>
+  <p:clrMapOvr>
+    <a:masterClrMapping/>
+  </p:clrMapOvr>
+</p:sld>
+</file>
+
+<file path=ppt/slides/slide3.xml><?xml version="1.0" encoding="utf-8"?>
+<p:sld xmlns:a="http://schemas.openxmlformats.org/drawingml/2006/main" xmlns:r="http://schemas.openxmlformats.org/officeDocument/2006/relationships" xmlns:p="http://schemas.openxmlformats.org/presentationml/2006/main">
+  <p:cSld>
+    <p:spTree>
+      <p:nvGrpSpPr>
+        <p:cNvPr id="1" name=""/>
+        <p:cNvGrpSpPr/>
+        <p:nvPr/>
+      </p:nvGrpSpPr>
+      <p:grpSpPr>
+        <a:xfrm>
+          <a:off x="0" y="0"/>
+          <a:ext cx="0" cy="0"/>
+          <a:chOff x="0" y="0"/>
+          <a:chExt cx="0" cy="0"/>
+        </a:xfrm>
+      </p:grpSpPr>
+      <p:pic>
+        <p:nvPicPr>
           <p:cNvPr id="4" name="Picture 3"/>
           <p:cNvPicPr>
             <a:picLocks noChangeAspect="1"/>
@@ -4052,7 +4169,7 @@
 </p:sld>
 </file>
 
-<file path=ppt/slides/slide3.xml><?xml version="1.0" encoding="utf-8"?>
+<file path=ppt/slides/slide4.xml><?xml version="1.0" encoding="utf-8"?>
 <p:sld xmlns:a="http://schemas.openxmlformats.org/drawingml/2006/main" xmlns:r="http://schemas.openxmlformats.org/officeDocument/2006/relationships" xmlns:p="http://schemas.openxmlformats.org/presentationml/2006/main">
   <p:cSld>
     <p:spTree>
